--- a/Study/5. Doxygen + Graphviz_181211.pptx
+++ b/Study/5. Doxygen + Graphviz_181211.pptx
@@ -209,7 +209,7 @@
           <a:p>
             <a:fld id="{8DD9E706-E0BA-4FBD-AF15-9E3682821587}" type="datetimeFigureOut">
               <a:rPr lang="ko-KR" altLang="en-US" smtClean="0"/>
-              <a:t>2018-12-11</a:t>
+              <a:t>2018-12-12</a:t>
             </a:fld>
             <a:endParaRPr lang="ko-KR" altLang="en-US"/>
           </a:p>
@@ -1847,7 +1847,7 @@
           <a:p>
             <a:fld id="{46A2558D-9475-4DD4-8F32-96381613298F}" type="datetimeFigureOut">
               <a:rPr lang="ko-KR" altLang="en-US" smtClean="0"/>
-              <a:t>2018-12-11</a:t>
+              <a:t>2018-12-12</a:t>
             </a:fld>
             <a:endParaRPr lang="ko-KR" altLang="en-US"/>
           </a:p>
@@ -2045,7 +2045,7 @@
           <a:p>
             <a:fld id="{46A2558D-9475-4DD4-8F32-96381613298F}" type="datetimeFigureOut">
               <a:rPr lang="ko-KR" altLang="en-US" smtClean="0"/>
-              <a:t>2018-12-11</a:t>
+              <a:t>2018-12-12</a:t>
             </a:fld>
             <a:endParaRPr lang="ko-KR" altLang="en-US"/>
           </a:p>
@@ -2253,7 +2253,7 @@
           <a:p>
             <a:fld id="{46A2558D-9475-4DD4-8F32-96381613298F}" type="datetimeFigureOut">
               <a:rPr lang="ko-KR" altLang="en-US" smtClean="0"/>
-              <a:t>2018-12-11</a:t>
+              <a:t>2018-12-12</a:t>
             </a:fld>
             <a:endParaRPr lang="ko-KR" altLang="en-US"/>
           </a:p>
@@ -2451,7 +2451,7 @@
           <a:p>
             <a:fld id="{46A2558D-9475-4DD4-8F32-96381613298F}" type="datetimeFigureOut">
               <a:rPr lang="ko-KR" altLang="en-US" smtClean="0"/>
-              <a:t>2018-12-11</a:t>
+              <a:t>2018-12-12</a:t>
             </a:fld>
             <a:endParaRPr lang="ko-KR" altLang="en-US"/>
           </a:p>
@@ -2726,7 +2726,7 @@
           <a:p>
             <a:fld id="{46A2558D-9475-4DD4-8F32-96381613298F}" type="datetimeFigureOut">
               <a:rPr lang="ko-KR" altLang="en-US" smtClean="0"/>
-              <a:t>2018-12-11</a:t>
+              <a:t>2018-12-12</a:t>
             </a:fld>
             <a:endParaRPr lang="ko-KR" altLang="en-US"/>
           </a:p>
@@ -2991,7 +2991,7 @@
           <a:p>
             <a:fld id="{46A2558D-9475-4DD4-8F32-96381613298F}" type="datetimeFigureOut">
               <a:rPr lang="ko-KR" altLang="en-US" smtClean="0"/>
-              <a:t>2018-12-11</a:t>
+              <a:t>2018-12-12</a:t>
             </a:fld>
             <a:endParaRPr lang="ko-KR" altLang="en-US"/>
           </a:p>
@@ -3403,7 +3403,7 @@
           <a:p>
             <a:fld id="{46A2558D-9475-4DD4-8F32-96381613298F}" type="datetimeFigureOut">
               <a:rPr lang="ko-KR" altLang="en-US" smtClean="0"/>
-              <a:t>2018-12-11</a:t>
+              <a:t>2018-12-12</a:t>
             </a:fld>
             <a:endParaRPr lang="ko-KR" altLang="en-US"/>
           </a:p>
@@ -3544,7 +3544,7 @@
           <a:p>
             <a:fld id="{46A2558D-9475-4DD4-8F32-96381613298F}" type="datetimeFigureOut">
               <a:rPr lang="ko-KR" altLang="en-US" smtClean="0"/>
-              <a:t>2018-12-11</a:t>
+              <a:t>2018-12-12</a:t>
             </a:fld>
             <a:endParaRPr lang="ko-KR" altLang="en-US"/>
           </a:p>
@@ -3657,7 +3657,7 @@
           <a:p>
             <a:fld id="{46A2558D-9475-4DD4-8F32-96381613298F}" type="datetimeFigureOut">
               <a:rPr lang="ko-KR" altLang="en-US" smtClean="0"/>
-              <a:t>2018-12-11</a:t>
+              <a:t>2018-12-12</a:t>
             </a:fld>
             <a:endParaRPr lang="ko-KR" altLang="en-US"/>
           </a:p>
@@ -3968,7 +3968,7 @@
           <a:p>
             <a:fld id="{46A2558D-9475-4DD4-8F32-96381613298F}" type="datetimeFigureOut">
               <a:rPr lang="ko-KR" altLang="en-US" smtClean="0"/>
-              <a:t>2018-12-11</a:t>
+              <a:t>2018-12-12</a:t>
             </a:fld>
             <a:endParaRPr lang="ko-KR" altLang="en-US"/>
           </a:p>
@@ -4256,7 +4256,7 @@
           <a:p>
             <a:fld id="{46A2558D-9475-4DD4-8F32-96381613298F}" type="datetimeFigureOut">
               <a:rPr lang="ko-KR" altLang="en-US" smtClean="0"/>
-              <a:t>2018-12-11</a:t>
+              <a:t>2018-12-12</a:t>
             </a:fld>
             <a:endParaRPr lang="ko-KR" altLang="en-US"/>
           </a:p>
@@ -4497,7 +4497,7 @@
           <a:p>
             <a:fld id="{46A2558D-9475-4DD4-8F32-96381613298F}" type="datetimeFigureOut">
               <a:rPr lang="ko-KR" altLang="en-US" smtClean="0"/>
-              <a:t>2018-12-11</a:t>
+              <a:t>2018-12-12</a:t>
             </a:fld>
             <a:endParaRPr lang="ko-KR" altLang="en-US"/>
           </a:p>
